--- a/projects/GdbDemo/Demo.pptx
+++ b/projects/GdbDemo/Demo.pptx
@@ -21,10 +21,10 @@
     <p:sldMasterId id="2147483676" r:id="rId17"/>
   </p:sldMasterIdLst>
   <p:notesMasterIdLst>
-    <p:notesMasterId r:id="rId31"/>
+    <p:notesMasterId r:id="rId30"/>
   </p:notesMasterIdLst>
   <p:handoutMasterIdLst>
-    <p:handoutMasterId r:id="rId32"/>
+    <p:handoutMasterId r:id="rId31"/>
   </p:handoutMasterIdLst>
   <p:sldIdLst>
     <p:sldId id="261" r:id="rId18"/>
@@ -34,12 +34,11 @@
     <p:sldId id="296" r:id="rId22"/>
     <p:sldId id="298" r:id="rId23"/>
     <p:sldId id="301" r:id="rId24"/>
-    <p:sldId id="302" r:id="rId25"/>
-    <p:sldId id="304" r:id="rId26"/>
-    <p:sldId id="305" r:id="rId27"/>
-    <p:sldId id="306" r:id="rId28"/>
-    <p:sldId id="303" r:id="rId29"/>
-    <p:sldId id="274" r:id="rId30"/>
+    <p:sldId id="304" r:id="rId25"/>
+    <p:sldId id="305" r:id="rId26"/>
+    <p:sldId id="306" r:id="rId27"/>
+    <p:sldId id="303" r:id="rId28"/>
+    <p:sldId id="274" r:id="rId29"/>
   </p:sldIdLst>
   <p:sldSz cx="9144000" cy="6858000" type="screen4x3"/>
   <p:notesSz cx="6858000" cy="9144000"/>
@@ -231,7 +230,7 @@
           <a:p>
             <a:fld id="{22478E2D-C848-4C6B-B545-8695C3427ADF}" type="datetimeFigureOut">
               <a:rPr lang="en-US" smtClean="0"/>
-              <a:t>5/29/2017</a:t>
+              <a:t>5/30/2017</a:t>
             </a:fld>
             <a:endParaRPr lang="en-US"/>
           </a:p>
@@ -396,7 +395,7 @@
           <a:p>
             <a:fld id="{398BF6FA-3D0B-4A5F-81F7-407D3604F56C}" type="datetimeFigureOut">
               <a:rPr lang="en-US" smtClean="0"/>
-              <a:t>5/29/2017</a:t>
+              <a:t>5/30/2017</a:t>
             </a:fld>
             <a:endParaRPr lang="en-US"/>
           </a:p>
@@ -1217,90 +1216,6 @@
           <a:bodyPr/>
           <a:lstStyle/>
           <a:p>
-            <a:endParaRPr lang="en-US" dirty="0"/>
-          </a:p>
-        </p:txBody>
-      </p:sp>
-      <p:sp>
-        <p:nvSpPr>
-          <p:cNvPr id="4" name="Slide Number Placeholder 3"/>
-          <p:cNvSpPr>
-            <a:spLocks noGrp="1"/>
-          </p:cNvSpPr>
-          <p:nvPr>
-            <p:ph type="sldNum" sz="quarter" idx="10"/>
-          </p:nvPr>
-        </p:nvSpPr>
-        <p:spPr/>
-        <p:txBody>
-          <a:bodyPr/>
-          <a:lstStyle/>
-          <a:p>
-            <a:fld id="{59099455-9F1A-46C3-887C-F021A8566F5F}" type="slidenum">
-              <a:rPr lang="en-US" smtClean="0"/>
-              <a:t>8</a:t>
-            </a:fld>
-            <a:endParaRPr lang="en-US"/>
-          </a:p>
-        </p:txBody>
-      </p:sp>
-    </p:spTree>
-    <p:extLst>
-      <p:ext uri="{BB962C8B-B14F-4D97-AF65-F5344CB8AC3E}">
-        <p14:creationId xmlns:p14="http://schemas.microsoft.com/office/powerpoint/2010/main" val="1516976741"/>
-      </p:ext>
-    </p:extLst>
-  </p:cSld>
-  <p:clrMapOvr>
-    <a:masterClrMapping/>
-  </p:clrMapOvr>
-</p:notes>
-</file>
-
-<file path=ppt/notesSlides/notesSlide7.xml><?xml version="1.0" encoding="utf-8"?>
-<p:notes xmlns:a="http://schemas.openxmlformats.org/drawingml/2006/main" xmlns:r="http://schemas.openxmlformats.org/officeDocument/2006/relationships" xmlns:p="http://schemas.openxmlformats.org/presentationml/2006/main">
-  <p:cSld>
-    <p:spTree>
-      <p:nvGrpSpPr>
-        <p:cNvPr id="1" name=""/>
-        <p:cNvGrpSpPr/>
-        <p:nvPr/>
-      </p:nvGrpSpPr>
-      <p:grpSpPr>
-        <a:xfrm>
-          <a:off x="0" y="0"/>
-          <a:ext cx="0" cy="0"/>
-          <a:chOff x="0" y="0"/>
-          <a:chExt cx="0" cy="0"/>
-        </a:xfrm>
-      </p:grpSpPr>
-      <p:sp>
-        <p:nvSpPr>
-          <p:cNvPr id="2" name="Slide Image Placeholder 1"/>
-          <p:cNvSpPr>
-            <a:spLocks noGrp="1" noRot="1" noChangeAspect="1"/>
-          </p:cNvSpPr>
-          <p:nvPr>
-            <p:ph type="sldImg"/>
-          </p:nvPr>
-        </p:nvSpPr>
-        <p:spPr/>
-      </p:sp>
-      <p:sp>
-        <p:nvSpPr>
-          <p:cNvPr id="3" name="Notes Placeholder 2"/>
-          <p:cNvSpPr>
-            <a:spLocks noGrp="1"/>
-          </p:cNvSpPr>
-          <p:nvPr>
-            <p:ph type="body" idx="1"/>
-          </p:nvPr>
-        </p:nvSpPr>
-        <p:spPr/>
-        <p:txBody>
-          <a:bodyPr/>
-          <a:lstStyle/>
-          <a:p>
             <a:pPr fontAlgn="base"/>
             <a:r>
               <a:rPr lang="en-US" sz="1200" b="1" i="0" kern="1200" dirty="0" smtClean="0">
@@ -1430,7 +1345,7 @@
           <a:p>
             <a:fld id="{59099455-9F1A-46C3-887C-F021A8566F5F}" type="slidenum">
               <a:rPr lang="en-US" smtClean="0"/>
-              <a:t>9</a:t>
+              <a:t>8</a:t>
             </a:fld>
             <a:endParaRPr lang="en-US"/>
           </a:p>
@@ -1449,7 +1364,7 @@
 </p:notes>
 </file>
 
-<file path=ppt/notesSlides/notesSlide8.xml><?xml version="1.0" encoding="utf-8"?>
+<file path=ppt/notesSlides/notesSlide7.xml><?xml version="1.0" encoding="utf-8"?>
 <p:notes xmlns:a="http://schemas.openxmlformats.org/drawingml/2006/main" xmlns:r="http://schemas.openxmlformats.org/officeDocument/2006/relationships" xmlns:p="http://schemas.openxmlformats.org/presentationml/2006/main">
   <p:cSld>
     <p:spTree>
@@ -1514,7 +1429,7 @@
           <a:p>
             <a:fld id="{59099455-9F1A-46C3-887C-F021A8566F5F}" type="slidenum">
               <a:rPr lang="en-US" smtClean="0"/>
-              <a:t>12</a:t>
+              <a:t>11</a:t>
             </a:fld>
             <a:endParaRPr lang="en-US"/>
           </a:p>
@@ -10625,13 +10540,10 @@
           <a:lstStyle/>
           <a:p>
             <a:r>
-              <a:rPr lang="en-US" dirty="0" smtClean="0"/>
-              <a:t>Jun </a:t>
+              <a:rPr lang="en-US" smtClean="0"/>
+              <a:t>May 2017</a:t>
             </a:r>
-            <a:r>
-              <a:rPr lang="en-US" dirty="0"/>
-              <a:t>2017</a:t>
-            </a:r>
+            <a:endParaRPr lang="en-US" dirty="0"/>
           </a:p>
         </p:txBody>
       </p:sp>
@@ -10669,7 +10581,6 @@
               <a:rPr lang="en-US" sz="4400" dirty="0"/>
               <a:t>	</a:t>
             </a:r>
-            <a:endParaRPr lang="en-US" sz="4400" dirty="0"/>
           </a:p>
         </p:txBody>
       </p:sp>
@@ -10729,124 +10640,6 @@
               <a:rPr lang="en-US" smtClean="0"/>
               <a:pPr/>
               <a:t>10</a:t>
-            </a:fld>
-            <a:endParaRPr lang="en-US"/>
-          </a:p>
-        </p:txBody>
-      </p:sp>
-      <p:sp>
-        <p:nvSpPr>
-          <p:cNvPr id="3" name="Title 2"/>
-          <p:cNvSpPr>
-            <a:spLocks noGrp="1"/>
-          </p:cNvSpPr>
-          <p:nvPr>
-            <p:ph type="title"/>
-          </p:nvPr>
-        </p:nvSpPr>
-        <p:spPr/>
-        <p:txBody>
-          <a:bodyPr/>
-          <a:lstStyle/>
-          <a:p>
-            <a:r>
-              <a:rPr lang="en-US" dirty="0" smtClean="0"/>
-              <a:t>On-Chip Debugging (OCD)</a:t>
-            </a:r>
-            <a:endParaRPr lang="en-US" dirty="0"/>
-          </a:p>
-        </p:txBody>
-      </p:sp>
-      <p:pic>
-        <p:nvPicPr>
-          <p:cNvPr id="8196" name="Picture 4" descr="Related image"/>
-          <p:cNvPicPr>
-            <a:picLocks noChangeAspect="1" noChangeArrowheads="1"/>
-          </p:cNvPicPr>
-          <p:nvPr/>
-        </p:nvPicPr>
-        <p:blipFill>
-          <a:blip r:embed="rId2">
-            <a:extLst>
-              <a:ext uri="{28A0092B-C50C-407E-A947-70E740481C1C}">
-                <a14:useLocalDpi xmlns:a14="http://schemas.microsoft.com/office/drawing/2010/main" val="0"/>
-              </a:ext>
-            </a:extLst>
-          </a:blip>
-          <a:srcRect/>
-          <a:stretch>
-            <a:fillRect/>
-          </a:stretch>
-        </p:blipFill>
-        <p:spPr bwMode="auto">
-          <a:xfrm>
-            <a:off x="319403" y="2031183"/>
-            <a:ext cx="8686800" cy="2571751"/>
-          </a:xfrm>
-          <a:prstGeom prst="rect">
-            <a:avLst/>
-          </a:prstGeom>
-          <a:noFill/>
-          <a:extLst>
-            <a:ext uri="{909E8E84-426E-40DD-AFC4-6F175D3DCCD1}">
-              <a14:hiddenFill xmlns:a14="http://schemas.microsoft.com/office/drawing/2010/main">
-                <a:solidFill>
-                  <a:srgbClr val="FFFFFF"/>
-                </a:solidFill>
-              </a14:hiddenFill>
-            </a:ext>
-          </a:extLst>
-        </p:spPr>
-      </p:pic>
-    </p:spTree>
-    <p:extLst>
-      <p:ext uri="{BB962C8B-B14F-4D97-AF65-F5344CB8AC3E}">
-        <p14:creationId xmlns:p14="http://schemas.microsoft.com/office/powerpoint/2010/main" val="3513006642"/>
-      </p:ext>
-    </p:extLst>
-  </p:cSld>
-  <p:clrMapOvr>
-    <a:masterClrMapping/>
-  </p:clrMapOvr>
-</p:sld>
-</file>
-
-<file path=ppt/slides/slide11.xml><?xml version="1.0" encoding="utf-8"?>
-<p:sld xmlns:a="http://schemas.openxmlformats.org/drawingml/2006/main" xmlns:r="http://schemas.openxmlformats.org/officeDocument/2006/relationships" xmlns:p="http://schemas.openxmlformats.org/presentationml/2006/main">
-  <p:cSld>
-    <p:spTree>
-      <p:nvGrpSpPr>
-        <p:cNvPr id="1" name=""/>
-        <p:cNvGrpSpPr/>
-        <p:nvPr/>
-      </p:nvGrpSpPr>
-      <p:grpSpPr>
-        <a:xfrm>
-          <a:off x="0" y="0"/>
-          <a:ext cx="0" cy="0"/>
-          <a:chOff x="0" y="0"/>
-          <a:chExt cx="0" cy="0"/>
-        </a:xfrm>
-      </p:grpSpPr>
-      <p:sp>
-        <p:nvSpPr>
-          <p:cNvPr id="2" name="Slide Number Placeholder 1"/>
-          <p:cNvSpPr>
-            <a:spLocks noGrp="1"/>
-          </p:cNvSpPr>
-          <p:nvPr>
-            <p:ph type="sldNum" sz="quarter" idx="10"/>
-          </p:nvPr>
-        </p:nvSpPr>
-        <p:spPr/>
-        <p:txBody>
-          <a:bodyPr/>
-          <a:lstStyle/>
-          <a:p>
-            <a:fld id="{441D6917-F9E8-40D5-95A3-CAC95F98FD7C}" type="slidenum">
-              <a:rPr lang="en-US" smtClean="0"/>
-              <a:pPr/>
-              <a:t>11</a:t>
             </a:fld>
             <a:endParaRPr lang="en-US"/>
           </a:p>
@@ -10929,7 +10722,7 @@
 </p:sld>
 </file>
 
-<file path=ppt/slides/slide12.xml><?xml version="1.0" encoding="utf-8"?>
+<file path=ppt/slides/slide11.xml><?xml version="1.0" encoding="utf-8"?>
 <p:sld xmlns:a="http://schemas.openxmlformats.org/drawingml/2006/main" xmlns:r="http://schemas.openxmlformats.org/officeDocument/2006/relationships" xmlns:p="http://schemas.openxmlformats.org/presentationml/2006/main">
   <p:cSld>
     <p:spTree>
@@ -10964,7 +10757,7 @@
             <a:fld id="{441D6917-F9E8-40D5-95A3-CAC95F98FD7C}" type="slidenum">
               <a:rPr lang="en-US" smtClean="0"/>
               <a:pPr/>
-              <a:t>12</a:t>
+              <a:t>11</a:t>
             </a:fld>
             <a:endParaRPr lang="en-US" dirty="0"/>
           </a:p>
@@ -11054,7 +10847,7 @@
 </p:sld>
 </file>
 
-<file path=ppt/slides/slide13.xml><?xml version="1.0" encoding="utf-8"?>
+<file path=ppt/slides/slide12.xml><?xml version="1.0" encoding="utf-8"?>
 <p:sld xmlns:a="http://schemas.openxmlformats.org/drawingml/2006/main" xmlns:r="http://schemas.openxmlformats.org/officeDocument/2006/relationships" xmlns:p="http://schemas.openxmlformats.org/presentationml/2006/main">
   <p:cSld>
     <p:spTree>
@@ -11154,11 +10947,7 @@
           <a:p>
             <a:r>
               <a:rPr lang="en-US" dirty="0"/>
-              <a:t>What is GDB?</a:t>
-            </a:r>
-            <a:r>
-              <a:rPr lang="en-US" dirty="0"/>
-              <a:t>	</a:t>
+              <a:t>What is GDB?	</a:t>
             </a:r>
           </a:p>
         </p:txBody>
@@ -11303,7 +11092,6 @@
               <a:rPr lang="en-US" dirty="0" smtClean="0"/>
               <a:t>Command like application</a:t>
             </a:r>
-            <a:endParaRPr lang="en-US" dirty="0" smtClean="0"/>
           </a:p>
           <a:p>
             <a:pPr lvl="1"/>
@@ -11311,7 +11099,6 @@
               <a:rPr lang="en-US" dirty="0" smtClean="0"/>
               <a:t>Supports for Ada, C, C++, Objective-C, Pascal,..</a:t>
             </a:r>
-            <a:endParaRPr lang="en-US" dirty="0" smtClean="0"/>
           </a:p>
           <a:p>
             <a:pPr lvl="1"/>
@@ -11327,12 +11114,8 @@
           </a:p>
           <a:p>
             <a:r>
-              <a:rPr lang="en-US" dirty="0" err="1" smtClean="0"/>
-              <a:t>Fetures</a:t>
-            </a:r>
-            <a:r>
               <a:rPr lang="en-US" dirty="0" smtClean="0"/>
-              <a:t>	</a:t>
+              <a:t>Features	</a:t>
             </a:r>
             <a:endParaRPr lang="en-US" dirty="0"/>
           </a:p>
@@ -11881,7 +11664,6 @@
               <a:rPr lang="en-US" dirty="0"/>
               <a:t> Development</a:t>
             </a:r>
-            <a:endParaRPr lang="en-US" dirty="0"/>
           </a:p>
         </p:txBody>
       </p:sp>
@@ -12177,161 +11959,6 @@
               <a:pPr/>
               <a:t>8</a:t>
             </a:fld>
-            <a:endParaRPr lang="en-US" dirty="0"/>
-          </a:p>
-        </p:txBody>
-      </p:sp>
-      <p:sp>
-        <p:nvSpPr>
-          <p:cNvPr id="3" name="Title 2"/>
-          <p:cNvSpPr>
-            <a:spLocks noGrp="1"/>
-          </p:cNvSpPr>
-          <p:nvPr>
-            <p:ph type="title"/>
-          </p:nvPr>
-        </p:nvSpPr>
-        <p:spPr/>
-        <p:txBody>
-          <a:bodyPr/>
-          <a:lstStyle/>
-          <a:p>
-            <a:r>
-              <a:rPr lang="en-US" dirty="0" smtClean="0"/>
-              <a:t>Remote machine</a:t>
-            </a:r>
-            <a:endParaRPr lang="en-US" dirty="0"/>
-          </a:p>
-        </p:txBody>
-      </p:sp>
-      <p:sp>
-        <p:nvSpPr>
-          <p:cNvPr id="4" name="Text Placeholder 3"/>
-          <p:cNvSpPr>
-            <a:spLocks noGrp="1"/>
-          </p:cNvSpPr>
-          <p:nvPr>
-            <p:ph type="body" sz="quarter" idx="11"/>
-          </p:nvPr>
-        </p:nvSpPr>
-        <p:spPr>
-          <a:xfrm>
-            <a:off x="109728" y="3039871"/>
-            <a:ext cx="8415846" cy="898145"/>
-          </a:xfrm>
-        </p:spPr>
-        <p:txBody>
-          <a:bodyPr wrap="square"/>
-          <a:lstStyle/>
-          <a:p>
-            <a:pPr marL="457200" lvl="1" indent="0">
-              <a:buNone/>
-            </a:pPr>
-            <a:r>
-              <a:rPr lang="en-US" dirty="0" err="1">
-                <a:latin typeface="Consolas" panose="020B0609020204030204" pitchFamily="49" charset="0"/>
-              </a:rPr>
-              <a:t>sudo</a:t>
-            </a:r>
-            <a:r>
-              <a:rPr lang="en-US" dirty="0">
-                <a:latin typeface="Consolas" panose="020B0609020204030204" pitchFamily="49" charset="0"/>
-              </a:rPr>
-              <a:t> apt-get install </a:t>
-            </a:r>
-            <a:r>
-              <a:rPr lang="en-US" dirty="0" err="1">
-                <a:latin typeface="Consolas" panose="020B0609020204030204" pitchFamily="49" charset="0"/>
-              </a:rPr>
-              <a:t>openssh</a:t>
-            </a:r>
-            <a:r>
-              <a:rPr lang="en-US" dirty="0">
-                <a:latin typeface="Consolas" panose="020B0609020204030204" pitchFamily="49" charset="0"/>
-              </a:rPr>
-              <a:t>-server g++ </a:t>
-            </a:r>
-            <a:r>
-              <a:rPr lang="en-US" dirty="0" err="1">
-                <a:latin typeface="Consolas" panose="020B0609020204030204" pitchFamily="49" charset="0"/>
-              </a:rPr>
-              <a:t>gdb</a:t>
-            </a:r>
-            <a:r>
-              <a:rPr lang="en-US" dirty="0">
-                <a:latin typeface="Consolas" panose="020B0609020204030204" pitchFamily="49" charset="0"/>
-              </a:rPr>
-              <a:t> </a:t>
-            </a:r>
-            <a:r>
-              <a:rPr lang="en-US" dirty="0" err="1">
-                <a:latin typeface="Consolas" panose="020B0609020204030204" pitchFamily="49" charset="0"/>
-              </a:rPr>
-              <a:t>gdbserver</a:t>
-            </a:r>
-            <a:endParaRPr lang="en-US" dirty="0">
-              <a:latin typeface="Consolas" panose="020B0609020204030204" pitchFamily="49" charset="0"/>
-            </a:endParaRPr>
-          </a:p>
-        </p:txBody>
-      </p:sp>
-    </p:spTree>
-    <p:extLst>
-      <p:ext uri="{BB962C8B-B14F-4D97-AF65-F5344CB8AC3E}">
-        <p14:creationId xmlns:p14="http://schemas.microsoft.com/office/powerpoint/2010/main" val="3434460333"/>
-      </p:ext>
-    </p:extLst>
-  </p:cSld>
-  <p:clrMapOvr>
-    <a:masterClrMapping/>
-  </p:clrMapOvr>
-  <p:timing>
-    <p:tnLst>
-      <p:par>
-        <p:cTn id="1" dur="indefinite" restart="never" nodeType="tmRoot"/>
-      </p:par>
-    </p:tnLst>
-  </p:timing>
-</p:sld>
-</file>
-
-<file path=ppt/slides/slide9.xml><?xml version="1.0" encoding="utf-8"?>
-<p:sld xmlns:a="http://schemas.openxmlformats.org/drawingml/2006/main" xmlns:r="http://schemas.openxmlformats.org/officeDocument/2006/relationships" xmlns:p="http://schemas.openxmlformats.org/presentationml/2006/main">
-  <p:cSld>
-    <p:spTree>
-      <p:nvGrpSpPr>
-        <p:cNvPr id="1" name=""/>
-        <p:cNvGrpSpPr/>
-        <p:nvPr/>
-      </p:nvGrpSpPr>
-      <p:grpSpPr>
-        <a:xfrm>
-          <a:off x="0" y="0"/>
-          <a:ext cx="0" cy="0"/>
-          <a:chOff x="0" y="0"/>
-          <a:chExt cx="0" cy="0"/>
-        </a:xfrm>
-      </p:grpSpPr>
-      <p:sp>
-        <p:nvSpPr>
-          <p:cNvPr id="2" name="Slide Number Placeholder 1"/>
-          <p:cNvSpPr>
-            <a:spLocks noGrp="1"/>
-          </p:cNvSpPr>
-          <p:nvPr>
-            <p:ph type="sldNum" sz="quarter" idx="10"/>
-          </p:nvPr>
-        </p:nvSpPr>
-        <p:spPr/>
-        <p:txBody>
-          <a:bodyPr/>
-          <a:lstStyle/>
-          <a:p>
-            <a:fld id="{441D6917-F9E8-40D5-95A3-CAC95F98FD7C}" type="slidenum">
-              <a:rPr lang="en-US" smtClean="0"/>
-              <a:pPr/>
-              <a:t>9</a:t>
-            </a:fld>
             <a:endParaRPr lang="en-US"/>
           </a:p>
         </p:txBody>
@@ -12422,6 +12049,124 @@
       </p:par>
     </p:tnLst>
   </p:timing>
+</p:sld>
+</file>
+
+<file path=ppt/slides/slide9.xml><?xml version="1.0" encoding="utf-8"?>
+<p:sld xmlns:a="http://schemas.openxmlformats.org/drawingml/2006/main" xmlns:r="http://schemas.openxmlformats.org/officeDocument/2006/relationships" xmlns:p="http://schemas.openxmlformats.org/presentationml/2006/main">
+  <p:cSld>
+    <p:spTree>
+      <p:nvGrpSpPr>
+        <p:cNvPr id="1" name=""/>
+        <p:cNvGrpSpPr/>
+        <p:nvPr/>
+      </p:nvGrpSpPr>
+      <p:grpSpPr>
+        <a:xfrm>
+          <a:off x="0" y="0"/>
+          <a:ext cx="0" cy="0"/>
+          <a:chOff x="0" y="0"/>
+          <a:chExt cx="0" cy="0"/>
+        </a:xfrm>
+      </p:grpSpPr>
+      <p:sp>
+        <p:nvSpPr>
+          <p:cNvPr id="2" name="Slide Number Placeholder 1"/>
+          <p:cNvSpPr>
+            <a:spLocks noGrp="1"/>
+          </p:cNvSpPr>
+          <p:nvPr>
+            <p:ph type="sldNum" sz="quarter" idx="10"/>
+          </p:nvPr>
+        </p:nvSpPr>
+        <p:spPr/>
+        <p:txBody>
+          <a:bodyPr/>
+          <a:lstStyle/>
+          <a:p>
+            <a:fld id="{441D6917-F9E8-40D5-95A3-CAC95F98FD7C}" type="slidenum">
+              <a:rPr lang="en-US" smtClean="0"/>
+              <a:pPr/>
+              <a:t>9</a:t>
+            </a:fld>
+            <a:endParaRPr lang="en-US"/>
+          </a:p>
+        </p:txBody>
+      </p:sp>
+      <p:sp>
+        <p:nvSpPr>
+          <p:cNvPr id="3" name="Title 2"/>
+          <p:cNvSpPr>
+            <a:spLocks noGrp="1"/>
+          </p:cNvSpPr>
+          <p:nvPr>
+            <p:ph type="title"/>
+          </p:nvPr>
+        </p:nvSpPr>
+        <p:spPr/>
+        <p:txBody>
+          <a:bodyPr/>
+          <a:lstStyle/>
+          <a:p>
+            <a:r>
+              <a:rPr lang="en-US" dirty="0" smtClean="0"/>
+              <a:t>On-Chip Debugging (OCD)</a:t>
+            </a:r>
+            <a:endParaRPr lang="en-US" dirty="0"/>
+          </a:p>
+        </p:txBody>
+      </p:sp>
+      <p:pic>
+        <p:nvPicPr>
+          <p:cNvPr id="8196" name="Picture 4" descr="Related image"/>
+          <p:cNvPicPr>
+            <a:picLocks noChangeAspect="1" noChangeArrowheads="1"/>
+          </p:cNvPicPr>
+          <p:nvPr/>
+        </p:nvPicPr>
+        <p:blipFill>
+          <a:blip r:embed="rId2">
+            <a:extLst>
+              <a:ext uri="{28A0092B-C50C-407E-A947-70E740481C1C}">
+                <a14:useLocalDpi xmlns:a14="http://schemas.microsoft.com/office/drawing/2010/main" val="0"/>
+              </a:ext>
+            </a:extLst>
+          </a:blip>
+          <a:srcRect/>
+          <a:stretch>
+            <a:fillRect/>
+          </a:stretch>
+        </p:blipFill>
+        <p:spPr bwMode="auto">
+          <a:xfrm>
+            <a:off x="319403" y="2031183"/>
+            <a:ext cx="8686800" cy="2571751"/>
+          </a:xfrm>
+          <a:prstGeom prst="rect">
+            <a:avLst/>
+          </a:prstGeom>
+          <a:noFill/>
+          <a:extLst>
+            <a:ext uri="{909E8E84-426E-40DD-AFC4-6F175D3DCCD1}">
+              <a14:hiddenFill xmlns:a14="http://schemas.microsoft.com/office/drawing/2010/main">
+                <a:solidFill>
+                  <a:srgbClr val="FFFFFF"/>
+                </a:solidFill>
+              </a14:hiddenFill>
+            </a:ext>
+          </a:extLst>
+        </p:spPr>
+      </p:pic>
+    </p:spTree>
+    <p:extLst>
+      <p:ext uri="{BB962C8B-B14F-4D97-AF65-F5344CB8AC3E}">
+        <p14:creationId xmlns:p14="http://schemas.microsoft.com/office/powerpoint/2010/main" val="3513006642"/>
+      </p:ext>
+    </p:extLst>
+  </p:cSld>
+  <p:clrMapOvr>
+    <a:masterClrMapping/>
+  </p:clrMapOvr>
 </p:sld>
 </file>
 
